--- a/2_design/pso/artifacts/TutorialPSO.pptx
+++ b/2_design/pso/artifacts/TutorialPSO.pptx
@@ -225,7 +225,7 @@
           <a:p>
             <a:fld id="{8E6BD8EF-833A-4756-9DE8-262172883D9B}" type="datetimeFigureOut">
               <a:rPr lang="en-US" smtClean="0"/>
-              <a:t>28/09/2022</a:t>
+              <a:t>01/10/2022</a:t>
             </a:fld>
             <a:endParaRPr lang="en-US"/>
           </a:p>
@@ -19293,8 +19293,8 @@
           </a:p>
         </p:txBody>
       </p:sp>
-      <mc:AlternateContent xmlns:mc="http://schemas.openxmlformats.org/markup-compatibility/2006" xmlns:a14="http://schemas.microsoft.com/office/drawing/2010/main">
-        <mc:Choice Requires="a14">
+      <mc:AlternateContent xmlns:mc="http://schemas.openxmlformats.org/markup-compatibility/2006">
+        <mc:Choice xmlns:a14="http://schemas.microsoft.com/office/drawing/2010/main" Requires="a14">
           <p:sp>
             <p:nvSpPr>
               <p:cNvPr id="3" name="Content Placeholder 2">
@@ -19547,7 +19547,21 @@
                     <a:effectLst/>
                     <a:ea typeface="Calibri" panose="020F0502020204030204" pitchFamily="34" charset="0"/>
                   </a:rPr>
-                  <a:t> which can be is evaluated as the inverse of target function as </a:t>
+                  <a:t> which can </a:t>
+                </a:r>
+                <a:r>
+                  <a:rPr lang="en-US" sz="2200">
+                    <a:effectLst/>
+                    <a:ea typeface="Calibri" panose="020F0502020204030204" pitchFamily="34" charset="0"/>
+                  </a:rPr>
+                  <a:t>be evaluated </a:t>
+                </a:r>
+                <a:r>
+                  <a:rPr lang="en-US" sz="2200" dirty="0">
+                    <a:effectLst/>
+                    <a:ea typeface="Calibri" panose="020F0502020204030204" pitchFamily="34" charset="0"/>
+                  </a:rPr>
+                  <a:t>as the inverse of target function as </a:t>
                 </a:r>
                 <a14:m>
                   <m:oMath xmlns:m="http://schemas.openxmlformats.org/officeDocument/2006/math">
@@ -19768,7 +19782,7 @@
             </p:txBody>
           </p:sp>
         </mc:Choice>
-        <mc:Fallback xmlns="">
+        <mc:Fallback>
           <p:sp>
             <p:nvSpPr>
               <p:cNvPr id="3" name="Content Placeholder 2">
@@ -19787,7 +19801,7 @@
             </p:nvSpPr>
             <p:spPr>
               <a:blipFill>
-                <a:blip r:embed="rId4"/>
+                <a:blip r:embed="rId2"/>
                 <a:stretch>
                   <a:fillRect l="-696" t="-824" r="-696" b="-3887"/>
                 </a:stretch>
